--- a/docs/geometry_docs/Geometry Drawings.pptx
+++ b/docs/geometry_docs/Geometry Drawings.pptx
@@ -197,7 +197,7 @@
           <a:p>
             <a:fld id="{9FB87BA8-06F6-B646-996A-F4F317E0851D}" type="datetimeFigureOut">
               <a:rPr lang="en-US" smtClean="0"/>
-              <a:t>6/7/21</a:t>
+              <a:t>5/19/22</a:t>
             </a:fld>
             <a:endParaRPr lang="en-US"/>
           </a:p>
@@ -677,7 +677,7 @@
           <a:p>
             <a:fld id="{63EB71E2-6404-9340-A202-DF9F8907A413}" type="datetimeFigureOut">
               <a:rPr lang="en-US" smtClean="0"/>
-              <a:t>6/7/21</a:t>
+              <a:t>5/19/22</a:t>
             </a:fld>
             <a:endParaRPr lang="en-US"/>
           </a:p>
@@ -845,7 +845,7 @@
           <a:p>
             <a:fld id="{63EB71E2-6404-9340-A202-DF9F8907A413}" type="datetimeFigureOut">
               <a:rPr lang="en-US" smtClean="0"/>
-              <a:t>6/7/21</a:t>
+              <a:t>5/19/22</a:t>
             </a:fld>
             <a:endParaRPr lang="en-US"/>
           </a:p>
@@ -1023,7 +1023,7 @@
           <a:p>
             <a:fld id="{63EB71E2-6404-9340-A202-DF9F8907A413}" type="datetimeFigureOut">
               <a:rPr lang="en-US" smtClean="0"/>
-              <a:t>6/7/21</a:t>
+              <a:t>5/19/22</a:t>
             </a:fld>
             <a:endParaRPr lang="en-US"/>
           </a:p>
@@ -1191,7 +1191,7 @@
           <a:p>
             <a:fld id="{63EB71E2-6404-9340-A202-DF9F8907A413}" type="datetimeFigureOut">
               <a:rPr lang="en-US" smtClean="0"/>
-              <a:t>6/7/21</a:t>
+              <a:t>5/19/22</a:t>
             </a:fld>
             <a:endParaRPr lang="en-US"/>
           </a:p>
@@ -1436,7 +1436,7 @@
           <a:p>
             <a:fld id="{63EB71E2-6404-9340-A202-DF9F8907A413}" type="datetimeFigureOut">
               <a:rPr lang="en-US" smtClean="0"/>
-              <a:t>6/7/21</a:t>
+              <a:t>5/19/22</a:t>
             </a:fld>
             <a:endParaRPr lang="en-US"/>
           </a:p>
@@ -1665,7 +1665,7 @@
           <a:p>
             <a:fld id="{63EB71E2-6404-9340-A202-DF9F8907A413}" type="datetimeFigureOut">
               <a:rPr lang="en-US" smtClean="0"/>
-              <a:t>6/7/21</a:t>
+              <a:t>5/19/22</a:t>
             </a:fld>
             <a:endParaRPr lang="en-US"/>
           </a:p>
@@ -2029,7 +2029,7 @@
           <a:p>
             <a:fld id="{63EB71E2-6404-9340-A202-DF9F8907A413}" type="datetimeFigureOut">
               <a:rPr lang="en-US" smtClean="0"/>
-              <a:t>6/7/21</a:t>
+              <a:t>5/19/22</a:t>
             </a:fld>
             <a:endParaRPr lang="en-US"/>
           </a:p>
@@ -2146,7 +2146,7 @@
           <a:p>
             <a:fld id="{63EB71E2-6404-9340-A202-DF9F8907A413}" type="datetimeFigureOut">
               <a:rPr lang="en-US" smtClean="0"/>
-              <a:t>6/7/21</a:t>
+              <a:t>5/19/22</a:t>
             </a:fld>
             <a:endParaRPr lang="en-US"/>
           </a:p>
@@ -2241,7 +2241,7 @@
           <a:p>
             <a:fld id="{63EB71E2-6404-9340-A202-DF9F8907A413}" type="datetimeFigureOut">
               <a:rPr lang="en-US" smtClean="0"/>
-              <a:t>6/7/21</a:t>
+              <a:t>5/19/22</a:t>
             </a:fld>
             <a:endParaRPr lang="en-US"/>
           </a:p>
@@ -2516,7 +2516,7 @@
           <a:p>
             <a:fld id="{63EB71E2-6404-9340-A202-DF9F8907A413}" type="datetimeFigureOut">
               <a:rPr lang="en-US" smtClean="0"/>
-              <a:t>6/7/21</a:t>
+              <a:t>5/19/22</a:t>
             </a:fld>
             <a:endParaRPr lang="en-US"/>
           </a:p>
@@ -2768,7 +2768,7 @@
           <a:p>
             <a:fld id="{63EB71E2-6404-9340-A202-DF9F8907A413}" type="datetimeFigureOut">
               <a:rPr lang="en-US" smtClean="0"/>
-              <a:t>6/7/21</a:t>
+              <a:t>5/19/22</a:t>
             </a:fld>
             <a:endParaRPr lang="en-US"/>
           </a:p>
@@ -2979,7 +2979,7 @@
           <a:p>
             <a:fld id="{63EB71E2-6404-9340-A202-DF9F8907A413}" type="datetimeFigureOut">
               <a:rPr lang="en-US" smtClean="0"/>
-              <a:t>6/7/21</a:t>
+              <a:t>5/19/22</a:t>
             </a:fld>
             <a:endParaRPr lang="en-US"/>
           </a:p>
@@ -10299,7 +10299,7 @@
         </p:nvSpPr>
         <p:spPr>
           <a:xfrm>
-            <a:off x="9877953" y="3009768"/>
+            <a:off x="8955927" y="3224792"/>
             <a:ext cx="811441" cy="261610"/>
           </a:xfrm>
           <a:prstGeom prst="rect">
@@ -10335,7 +10335,7 @@
         </p:nvSpPr>
         <p:spPr>
           <a:xfrm>
-            <a:off x="8808286" y="3154885"/>
+            <a:off x="9885862" y="3025348"/>
             <a:ext cx="1108102" cy="261610"/>
           </a:xfrm>
           <a:prstGeom prst="rect">
@@ -10584,6 +10584,168 @@
           <a:p>
             <a:pPr algn="ctr"/>
             <a:endParaRPr lang="en-US"/>
+          </a:p>
+        </p:txBody>
+      </p:sp>
+      <p:sp>
+        <p:nvSpPr>
+          <p:cNvPr id="169" name="TextBox 168">
+            <a:extLst>
+              <a:ext uri="{FF2B5EF4-FFF2-40B4-BE49-F238E27FC236}">
+                <a16:creationId xmlns:a16="http://schemas.microsoft.com/office/drawing/2014/main" id="{2753236A-4282-0A88-BDFE-D8487BE24062}"/>
+              </a:ext>
+            </a:extLst>
+          </p:cNvPr>
+          <p:cNvSpPr txBox="1"/>
+          <p:nvPr/>
+        </p:nvSpPr>
+        <p:spPr>
+          <a:xfrm>
+            <a:off x="8448259" y="405662"/>
+            <a:ext cx="748750" cy="261610"/>
+          </a:xfrm>
+          <a:prstGeom prst="rect">
+            <a:avLst/>
+          </a:prstGeom>
+          <a:noFill/>
+        </p:spPr>
+        <p:txBody>
+          <a:bodyPr wrap="square" rtlCol="0">
+            <a:spAutoFit/>
+          </a:bodyPr>
+          <a:lstStyle/>
+          <a:p>
+            <a:pPr algn="ctr"/>
+            <a:r>
+              <a:rPr lang="en-US" sz="1100" dirty="0"/>
+              <a:t>channels</a:t>
+            </a:r>
+          </a:p>
+        </p:txBody>
+      </p:sp>
+      <p:cxnSp>
+        <p:nvCxnSpPr>
+          <p:cNvPr id="171" name="Straight Connector 170">
+            <a:extLst>
+              <a:ext uri="{FF2B5EF4-FFF2-40B4-BE49-F238E27FC236}">
+                <a16:creationId xmlns:a16="http://schemas.microsoft.com/office/drawing/2014/main" id="{7DA7A315-2AB6-9C3B-7DB4-60761E24F29C}"/>
+              </a:ext>
+            </a:extLst>
+          </p:cNvPr>
+          <p:cNvCxnSpPr>
+            <a:cxnSpLocks/>
+          </p:cNvCxnSpPr>
+          <p:nvPr/>
+        </p:nvCxnSpPr>
+        <p:spPr>
+          <a:xfrm>
+            <a:off x="8246613" y="532458"/>
+            <a:ext cx="950396" cy="269299"/>
+          </a:xfrm>
+          <a:prstGeom prst="line">
+            <a:avLst/>
+          </a:prstGeom>
+          <a:ln w="12700">
+            <a:solidFill>
+              <a:srgbClr val="FF0000"/>
+            </a:solidFill>
+            <a:prstDash val="solid"/>
+            <a:tailEnd type="arrow"/>
+          </a:ln>
+        </p:spPr>
+        <p:style>
+          <a:lnRef idx="1">
+            <a:schemeClr val="accent1"/>
+          </a:lnRef>
+          <a:fillRef idx="0">
+            <a:schemeClr val="accent1"/>
+          </a:fillRef>
+          <a:effectRef idx="0">
+            <a:schemeClr val="accent1"/>
+          </a:effectRef>
+          <a:fontRef idx="minor">
+            <a:schemeClr val="tx1"/>
+          </a:fontRef>
+        </p:style>
+      </p:cxnSp>
+      <p:cxnSp>
+        <p:nvCxnSpPr>
+          <p:cNvPr id="175" name="Straight Connector 174">
+            <a:extLst>
+              <a:ext uri="{FF2B5EF4-FFF2-40B4-BE49-F238E27FC236}">
+                <a16:creationId xmlns:a16="http://schemas.microsoft.com/office/drawing/2014/main" id="{38F750FB-2CB8-AA31-48B0-07E1949A636E}"/>
+              </a:ext>
+            </a:extLst>
+          </p:cNvPr>
+          <p:cNvCxnSpPr>
+            <a:cxnSpLocks/>
+          </p:cNvCxnSpPr>
+          <p:nvPr/>
+        </p:nvCxnSpPr>
+        <p:spPr>
+          <a:xfrm>
+            <a:off x="8094213" y="656949"/>
+            <a:ext cx="0" cy="910737"/>
+          </a:xfrm>
+          <a:prstGeom prst="line">
+            <a:avLst/>
+          </a:prstGeom>
+          <a:ln w="12700">
+            <a:solidFill>
+              <a:srgbClr val="FF0000"/>
+            </a:solidFill>
+            <a:prstDash val="solid"/>
+            <a:tailEnd type="arrow"/>
+          </a:ln>
+        </p:spPr>
+        <p:style>
+          <a:lnRef idx="1">
+            <a:schemeClr val="accent1"/>
+          </a:lnRef>
+          <a:fillRef idx="0">
+            <a:schemeClr val="accent1"/>
+          </a:fillRef>
+          <a:effectRef idx="0">
+            <a:schemeClr val="accent1"/>
+          </a:effectRef>
+          <a:fontRef idx="minor">
+            <a:schemeClr val="tx1"/>
+          </a:fontRef>
+        </p:style>
+      </p:cxnSp>
+      <p:sp>
+        <p:nvSpPr>
+          <p:cNvPr id="179" name="TextBox 178">
+            <a:extLst>
+              <a:ext uri="{FF2B5EF4-FFF2-40B4-BE49-F238E27FC236}">
+                <a16:creationId xmlns:a16="http://schemas.microsoft.com/office/drawing/2014/main" id="{393AD0B7-6A08-1E20-EF8D-21ACF1AB7FB4}"/>
+              </a:ext>
+            </a:extLst>
+          </p:cNvPr>
+          <p:cNvSpPr txBox="1"/>
+          <p:nvPr/>
+        </p:nvSpPr>
+        <p:spPr>
+          <a:xfrm>
+            <a:off x="7385220" y="872084"/>
+            <a:ext cx="748750" cy="261610"/>
+          </a:xfrm>
+          <a:prstGeom prst="rect">
+            <a:avLst/>
+          </a:prstGeom>
+          <a:noFill/>
+        </p:spPr>
+        <p:txBody>
+          <a:bodyPr wrap="square" rtlCol="0">
+            <a:spAutoFit/>
+          </a:bodyPr>
+          <a:lstStyle/>
+          <a:p>
+            <a:pPr algn="ctr"/>
+            <a:r>
+              <a:rPr lang="en-US" sz="1100" dirty="0"/>
+              <a:t>rows</a:t>
+            </a:r>
           </a:p>
         </p:txBody>
       </p:sp>

--- a/docs/geometry_docs/Geometry Drawings.pptx
+++ b/docs/geometry_docs/Geometry Drawings.pptx
@@ -5,10 +5,12 @@
     <p:sldMasterId id="2147483648" r:id="rId1"/>
   </p:sldMasterIdLst>
   <p:notesMasterIdLst>
-    <p:notesMasterId r:id="rId3"/>
+    <p:notesMasterId r:id="rId5"/>
   </p:notesMasterIdLst>
   <p:sldIdLst>
     <p:sldId id="256" r:id="rId2"/>
+    <p:sldId id="340" r:id="rId3"/>
+    <p:sldId id="341" r:id="rId4"/>
   </p:sldIdLst>
   <p:sldSz cx="12192000" cy="6858000"/>
   <p:notesSz cx="6858000" cy="9144000"/>
@@ -197,7 +199,7 @@
           <a:p>
             <a:fld id="{9FB87BA8-06F6-B646-996A-F4F317E0851D}" type="datetimeFigureOut">
               <a:rPr lang="en-US" smtClean="0"/>
-              <a:t>5/19/22</a:t>
+              <a:t>5/31/23</a:t>
             </a:fld>
             <a:endParaRPr lang="en-US"/>
           </a:p>
@@ -677,7 +679,7 @@
           <a:p>
             <a:fld id="{63EB71E2-6404-9340-A202-DF9F8907A413}" type="datetimeFigureOut">
               <a:rPr lang="en-US" smtClean="0"/>
-              <a:t>5/19/22</a:t>
+              <a:t>5/31/23</a:t>
             </a:fld>
             <a:endParaRPr lang="en-US"/>
           </a:p>
@@ -845,7 +847,7 @@
           <a:p>
             <a:fld id="{63EB71E2-6404-9340-A202-DF9F8907A413}" type="datetimeFigureOut">
               <a:rPr lang="en-US" smtClean="0"/>
-              <a:t>5/19/22</a:t>
+              <a:t>5/31/23</a:t>
             </a:fld>
             <a:endParaRPr lang="en-US"/>
           </a:p>
@@ -1023,7 +1025,7 @@
           <a:p>
             <a:fld id="{63EB71E2-6404-9340-A202-DF9F8907A413}" type="datetimeFigureOut">
               <a:rPr lang="en-US" smtClean="0"/>
-              <a:t>5/19/22</a:t>
+              <a:t>5/31/23</a:t>
             </a:fld>
             <a:endParaRPr lang="en-US"/>
           </a:p>
@@ -1191,7 +1193,7 @@
           <a:p>
             <a:fld id="{63EB71E2-6404-9340-A202-DF9F8907A413}" type="datetimeFigureOut">
               <a:rPr lang="en-US" smtClean="0"/>
-              <a:t>5/19/22</a:t>
+              <a:t>5/31/23</a:t>
             </a:fld>
             <a:endParaRPr lang="en-US"/>
           </a:p>
@@ -1436,7 +1438,7 @@
           <a:p>
             <a:fld id="{63EB71E2-6404-9340-A202-DF9F8907A413}" type="datetimeFigureOut">
               <a:rPr lang="en-US" smtClean="0"/>
-              <a:t>5/19/22</a:t>
+              <a:t>5/31/23</a:t>
             </a:fld>
             <a:endParaRPr lang="en-US"/>
           </a:p>
@@ -1665,7 +1667,7 @@
           <a:p>
             <a:fld id="{63EB71E2-6404-9340-A202-DF9F8907A413}" type="datetimeFigureOut">
               <a:rPr lang="en-US" smtClean="0"/>
-              <a:t>5/19/22</a:t>
+              <a:t>5/31/23</a:t>
             </a:fld>
             <a:endParaRPr lang="en-US"/>
           </a:p>
@@ -2029,7 +2031,7 @@
           <a:p>
             <a:fld id="{63EB71E2-6404-9340-A202-DF9F8907A413}" type="datetimeFigureOut">
               <a:rPr lang="en-US" smtClean="0"/>
-              <a:t>5/19/22</a:t>
+              <a:t>5/31/23</a:t>
             </a:fld>
             <a:endParaRPr lang="en-US"/>
           </a:p>
@@ -2146,7 +2148,7 @@
           <a:p>
             <a:fld id="{63EB71E2-6404-9340-A202-DF9F8907A413}" type="datetimeFigureOut">
               <a:rPr lang="en-US" smtClean="0"/>
-              <a:t>5/19/22</a:t>
+              <a:t>5/31/23</a:t>
             </a:fld>
             <a:endParaRPr lang="en-US"/>
           </a:p>
@@ -2241,7 +2243,7 @@
           <a:p>
             <a:fld id="{63EB71E2-6404-9340-A202-DF9F8907A413}" type="datetimeFigureOut">
               <a:rPr lang="en-US" smtClean="0"/>
-              <a:t>5/19/22</a:t>
+              <a:t>5/31/23</a:t>
             </a:fld>
             <a:endParaRPr lang="en-US"/>
           </a:p>
@@ -2516,7 +2518,7 @@
           <a:p>
             <a:fld id="{63EB71E2-6404-9340-A202-DF9F8907A413}" type="datetimeFigureOut">
               <a:rPr lang="en-US" smtClean="0"/>
-              <a:t>5/19/22</a:t>
+              <a:t>5/31/23</a:t>
             </a:fld>
             <a:endParaRPr lang="en-US"/>
           </a:p>
@@ -2768,7 +2770,7 @@
           <a:p>
             <a:fld id="{63EB71E2-6404-9340-A202-DF9F8907A413}" type="datetimeFigureOut">
               <a:rPr lang="en-US" smtClean="0"/>
-              <a:t>5/19/22</a:t>
+              <a:t>5/31/23</a:t>
             </a:fld>
             <a:endParaRPr lang="en-US"/>
           </a:p>
@@ -2979,7 +2981,7 @@
           <a:p>
             <a:fld id="{63EB71E2-6404-9340-A202-DF9F8907A413}" type="datetimeFigureOut">
               <a:rPr lang="en-US" smtClean="0"/>
-              <a:t>5/19/22</a:t>
+              <a:t>5/31/23</a:t>
             </a:fld>
             <a:endParaRPr lang="en-US"/>
           </a:p>
@@ -10762,6 +10764,1827 @@
 </p:sld>
 </file>
 
+<file path=ppt/slides/slide2.xml><?xml version="1.0" encoding="utf-8"?>
+<p:sld xmlns:a="http://schemas.openxmlformats.org/drawingml/2006/main" xmlns:r="http://schemas.openxmlformats.org/officeDocument/2006/relationships" xmlns:p="http://schemas.openxmlformats.org/presentationml/2006/main">
+  <p:cSld>
+    <p:spTree>
+      <p:nvGrpSpPr>
+        <p:cNvPr id="1" name=""/>
+        <p:cNvGrpSpPr/>
+        <p:nvPr/>
+      </p:nvGrpSpPr>
+      <p:grpSpPr>
+        <a:xfrm>
+          <a:off x="0" y="0"/>
+          <a:ext cx="0" cy="0"/>
+          <a:chOff x="0" y="0"/>
+          <a:chExt cx="0" cy="0"/>
+        </a:xfrm>
+      </p:grpSpPr>
+      <p:grpSp>
+        <p:nvGrpSpPr>
+          <p:cNvPr id="10" name="Group 9">
+            <a:extLst>
+              <a:ext uri="{FF2B5EF4-FFF2-40B4-BE49-F238E27FC236}">
+                <a16:creationId xmlns:a16="http://schemas.microsoft.com/office/drawing/2014/main" id="{B658037F-A460-BC4F-09B0-1C51CC7C8DFC}"/>
+              </a:ext>
+            </a:extLst>
+          </p:cNvPr>
+          <p:cNvGrpSpPr/>
+          <p:nvPr/>
+        </p:nvGrpSpPr>
+        <p:grpSpPr>
+          <a:xfrm>
+            <a:off x="1455986" y="1171338"/>
+            <a:ext cx="9033291" cy="4534870"/>
+            <a:chOff x="1455986" y="1171338"/>
+            <a:chExt cx="9033291" cy="4534870"/>
+          </a:xfrm>
+        </p:grpSpPr>
+        <p:sp>
+          <p:nvSpPr>
+            <p:cNvPr id="31" name="Trapezoid 30"/>
+            <p:cNvSpPr/>
+            <p:nvPr/>
+          </p:nvSpPr>
+          <p:spPr>
+            <a:xfrm rot="16200000">
+              <a:off x="7735878" y="2803656"/>
+              <a:ext cx="4367960" cy="1103326"/>
+            </a:xfrm>
+            <a:prstGeom prst="trapezoid">
+              <a:avLst>
+                <a:gd name="adj" fmla="val 56546"/>
+              </a:avLst>
+            </a:prstGeom>
+            <a:noFill/>
+            <a:ln w="19050">
+              <a:solidFill>
+                <a:schemeClr val="tx1"/>
+              </a:solidFill>
+            </a:ln>
+          </p:spPr>
+          <p:style>
+            <a:lnRef idx="2">
+              <a:schemeClr val="accent1">
+                <a:shade val="50000"/>
+              </a:schemeClr>
+            </a:lnRef>
+            <a:fillRef idx="1">
+              <a:schemeClr val="accent1"/>
+            </a:fillRef>
+            <a:effectRef idx="0">
+              <a:schemeClr val="accent1"/>
+            </a:effectRef>
+            <a:fontRef idx="minor">
+              <a:schemeClr val="lt1"/>
+            </a:fontRef>
+          </p:style>
+          <p:txBody>
+            <a:bodyPr rtlCol="0" anchor="ctr"/>
+            <a:lstStyle/>
+            <a:p>
+              <a:pPr algn="ctr"/>
+              <a:endParaRPr lang="en-US"/>
+            </a:p>
+          </p:txBody>
+        </p:sp>
+        <p:sp>
+          <p:nvSpPr>
+            <p:cNvPr id="32" name="Sun 31"/>
+            <p:cNvSpPr/>
+            <p:nvPr/>
+          </p:nvSpPr>
+          <p:spPr>
+            <a:xfrm>
+              <a:off x="1879180" y="3279749"/>
+              <a:ext cx="151141" cy="151141"/>
+            </a:xfrm>
+            <a:prstGeom prst="sun">
+              <a:avLst/>
+            </a:prstGeom>
+            <a:noFill/>
+            <a:ln>
+              <a:solidFill>
+                <a:schemeClr val="tx1"/>
+              </a:solidFill>
+            </a:ln>
+          </p:spPr>
+          <p:style>
+            <a:lnRef idx="2">
+              <a:schemeClr val="accent1">
+                <a:shade val="50000"/>
+              </a:schemeClr>
+            </a:lnRef>
+            <a:fillRef idx="1">
+              <a:schemeClr val="accent1"/>
+            </a:fillRef>
+            <a:effectRef idx="0">
+              <a:schemeClr val="accent1"/>
+            </a:effectRef>
+            <a:fontRef idx="minor">
+              <a:schemeClr val="lt1"/>
+            </a:fontRef>
+          </p:style>
+          <p:txBody>
+            <a:bodyPr rtlCol="0" anchor="ctr"/>
+            <a:lstStyle/>
+            <a:p>
+              <a:pPr algn="ctr"/>
+              <a:endParaRPr lang="en-US"/>
+            </a:p>
+          </p:txBody>
+        </p:sp>
+        <p:cxnSp>
+          <p:nvCxnSpPr>
+            <p:cNvPr id="34" name="Curved Connector 33"/>
+            <p:cNvCxnSpPr/>
+            <p:nvPr/>
+          </p:nvCxnSpPr>
+          <p:spPr>
+            <a:xfrm>
+              <a:off x="5823948" y="2052690"/>
+              <a:ext cx="445865" cy="90685"/>
+            </a:xfrm>
+            <a:prstGeom prst="curvedConnector3">
+              <a:avLst>
+                <a:gd name="adj1" fmla="val -38135"/>
+              </a:avLst>
+            </a:prstGeom>
+            <a:ln w="12700">
+              <a:solidFill>
+                <a:schemeClr val="tx1"/>
+              </a:solidFill>
+              <a:tailEnd type="triangle"/>
+            </a:ln>
+          </p:spPr>
+          <p:style>
+            <a:lnRef idx="1">
+              <a:schemeClr val="accent1"/>
+            </a:lnRef>
+            <a:fillRef idx="0">
+              <a:schemeClr val="accent1"/>
+            </a:fillRef>
+            <a:effectRef idx="0">
+              <a:schemeClr val="accent1"/>
+            </a:effectRef>
+            <a:fontRef idx="minor">
+              <a:schemeClr val="tx1"/>
+            </a:fontRef>
+          </p:style>
+        </p:cxnSp>
+        <p:cxnSp>
+          <p:nvCxnSpPr>
+            <p:cNvPr id="35" name="Straight Connector 34"/>
+            <p:cNvCxnSpPr/>
+            <p:nvPr/>
+          </p:nvCxnSpPr>
+          <p:spPr>
+            <a:xfrm flipH="1">
+              <a:off x="2121007" y="1813686"/>
+              <a:ext cx="7247189" cy="1541632"/>
+            </a:xfrm>
+            <a:prstGeom prst="line">
+              <a:avLst/>
+            </a:prstGeom>
+            <a:ln w="12700">
+              <a:solidFill>
+                <a:schemeClr val="tx1">
+                  <a:alpha val="39000"/>
+                </a:schemeClr>
+              </a:solidFill>
+              <a:prstDash val="sysDot"/>
+              <a:tailEnd type="none"/>
+            </a:ln>
+          </p:spPr>
+          <p:style>
+            <a:lnRef idx="1">
+              <a:schemeClr val="accent1"/>
+            </a:lnRef>
+            <a:fillRef idx="0">
+              <a:schemeClr val="accent1"/>
+            </a:fillRef>
+            <a:effectRef idx="0">
+              <a:schemeClr val="accent1"/>
+            </a:effectRef>
+            <a:fontRef idx="minor">
+              <a:schemeClr val="tx1"/>
+            </a:fontRef>
+          </p:style>
+        </p:cxnSp>
+        <p:cxnSp>
+          <p:nvCxnSpPr>
+            <p:cNvPr id="36" name="Straight Connector 35"/>
+            <p:cNvCxnSpPr/>
+            <p:nvPr/>
+          </p:nvCxnSpPr>
+          <p:spPr>
+            <a:xfrm flipH="1" flipV="1">
+              <a:off x="2128567" y="3355320"/>
+              <a:ext cx="7239629" cy="1556746"/>
+            </a:xfrm>
+            <a:prstGeom prst="line">
+              <a:avLst/>
+            </a:prstGeom>
+            <a:ln w="12700">
+              <a:solidFill>
+                <a:schemeClr val="tx1">
+                  <a:alpha val="39000"/>
+                </a:schemeClr>
+              </a:solidFill>
+              <a:prstDash val="sysDot"/>
+              <a:tailEnd type="none"/>
+            </a:ln>
+          </p:spPr>
+          <p:style>
+            <a:lnRef idx="1">
+              <a:schemeClr val="accent1"/>
+            </a:lnRef>
+            <a:fillRef idx="0">
+              <a:schemeClr val="accent1"/>
+            </a:fillRef>
+            <a:effectRef idx="0">
+              <a:schemeClr val="accent1"/>
+            </a:effectRef>
+            <a:fontRef idx="minor">
+              <a:schemeClr val="tx1"/>
+            </a:fontRef>
+          </p:style>
+        </p:cxnSp>
+        <p:cxnSp>
+          <p:nvCxnSpPr>
+            <p:cNvPr id="37" name="Straight Connector 36"/>
+            <p:cNvCxnSpPr/>
+            <p:nvPr/>
+          </p:nvCxnSpPr>
+          <p:spPr>
+            <a:xfrm flipH="1">
+              <a:off x="2128567" y="1171338"/>
+              <a:ext cx="8342955" cy="2183980"/>
+            </a:xfrm>
+            <a:prstGeom prst="line">
+              <a:avLst/>
+            </a:prstGeom>
+            <a:ln w="12700">
+              <a:solidFill>
+                <a:schemeClr val="tx1">
+                  <a:alpha val="39000"/>
+                </a:schemeClr>
+              </a:solidFill>
+              <a:prstDash val="sysDot"/>
+              <a:tailEnd type="none"/>
+            </a:ln>
+          </p:spPr>
+          <p:style>
+            <a:lnRef idx="1">
+              <a:schemeClr val="accent1"/>
+            </a:lnRef>
+            <a:fillRef idx="0">
+              <a:schemeClr val="accent1"/>
+            </a:fillRef>
+            <a:effectRef idx="0">
+              <a:schemeClr val="accent1"/>
+            </a:effectRef>
+            <a:fontRef idx="minor">
+              <a:schemeClr val="tx1"/>
+            </a:fontRef>
+          </p:style>
+        </p:cxnSp>
+        <p:cxnSp>
+          <p:nvCxnSpPr>
+            <p:cNvPr id="38" name="Straight Connector 37"/>
+            <p:cNvCxnSpPr/>
+            <p:nvPr/>
+          </p:nvCxnSpPr>
+          <p:spPr>
+            <a:xfrm flipH="1" flipV="1">
+              <a:off x="2138761" y="3337563"/>
+              <a:ext cx="8350516" cy="2183980"/>
+            </a:xfrm>
+            <a:prstGeom prst="line">
+              <a:avLst/>
+            </a:prstGeom>
+            <a:ln w="12700">
+              <a:solidFill>
+                <a:schemeClr val="tx1">
+                  <a:alpha val="39000"/>
+                </a:schemeClr>
+              </a:solidFill>
+              <a:prstDash val="sysDot"/>
+              <a:tailEnd type="none"/>
+            </a:ln>
+          </p:spPr>
+          <p:style>
+            <a:lnRef idx="1">
+              <a:schemeClr val="accent1"/>
+            </a:lnRef>
+            <a:fillRef idx="0">
+              <a:schemeClr val="accent1"/>
+            </a:fillRef>
+            <a:effectRef idx="0">
+              <a:schemeClr val="accent1"/>
+            </a:effectRef>
+            <a:fontRef idx="minor">
+              <a:schemeClr val="tx1"/>
+            </a:fontRef>
+          </p:style>
+        </p:cxnSp>
+        <p:sp>
+          <p:nvSpPr>
+            <p:cNvPr id="40" name="Can 39"/>
+            <p:cNvSpPr/>
+            <p:nvPr/>
+          </p:nvSpPr>
+          <p:spPr>
+            <a:xfrm>
+              <a:off x="4886876" y="2728088"/>
+              <a:ext cx="2115970" cy="1269577"/>
+            </a:xfrm>
+            <a:prstGeom prst="can">
+              <a:avLst>
+                <a:gd name="adj" fmla="val 13393"/>
+              </a:avLst>
+            </a:prstGeom>
+            <a:solidFill>
+              <a:srgbClr val="FF0000">
+                <a:alpha val="24000"/>
+              </a:srgbClr>
+            </a:solidFill>
+            <a:ln>
+              <a:solidFill>
+                <a:schemeClr val="tx1"/>
+              </a:solidFill>
+            </a:ln>
+          </p:spPr>
+          <p:style>
+            <a:lnRef idx="2">
+              <a:schemeClr val="accent1">
+                <a:shade val="50000"/>
+              </a:schemeClr>
+            </a:lnRef>
+            <a:fillRef idx="1">
+              <a:schemeClr val="accent1"/>
+            </a:fillRef>
+            <a:effectRef idx="0">
+              <a:schemeClr val="accent1"/>
+            </a:effectRef>
+            <a:fontRef idx="minor">
+              <a:schemeClr val="lt1"/>
+            </a:fontRef>
+          </p:style>
+          <p:txBody>
+            <a:bodyPr rtlCol="0" anchor="ctr"/>
+            <a:lstStyle/>
+            <a:p>
+              <a:pPr algn="ctr"/>
+              <a:endParaRPr lang="en-US"/>
+            </a:p>
+          </p:txBody>
+        </p:sp>
+        <p:sp>
+          <p:nvSpPr>
+            <p:cNvPr id="41" name="Freeform 40"/>
+            <p:cNvSpPr/>
+            <p:nvPr/>
+          </p:nvSpPr>
+          <p:spPr>
+            <a:xfrm>
+              <a:off x="9384634" y="1441109"/>
+              <a:ext cx="1077055" cy="3872801"/>
+            </a:xfrm>
+            <a:custGeom>
+              <a:avLst/>
+              <a:gdLst>
+                <a:gd name="connsiteX0" fmla="*/ 8007 w 1115255"/>
+                <a:gd name="connsiteY0" fmla="*/ 2193793 h 3892932"/>
+                <a:gd name="connsiteX1" fmla="*/ 450 w 1115255"/>
+                <a:gd name="connsiteY1" fmla="*/ 1430533 h 3892932"/>
+                <a:gd name="connsiteX2" fmla="*/ 23121 w 1115255"/>
+                <a:gd name="connsiteY2" fmla="*/ 780629 h 3892932"/>
+                <a:gd name="connsiteX3" fmla="*/ 83577 w 1115255"/>
+                <a:gd name="connsiteY3" fmla="*/ 508576 h 3892932"/>
+                <a:gd name="connsiteX4" fmla="*/ 181818 w 1115255"/>
+                <a:gd name="connsiteY4" fmla="*/ 312094 h 3892932"/>
+                <a:gd name="connsiteX5" fmla="*/ 370744 w 1115255"/>
+                <a:gd name="connsiteY5" fmla="*/ 183624 h 3892932"/>
+                <a:gd name="connsiteX6" fmla="*/ 642797 w 1115255"/>
+                <a:gd name="connsiteY6" fmla="*/ 47598 h 3892932"/>
+                <a:gd name="connsiteX7" fmla="*/ 922407 w 1115255"/>
+                <a:gd name="connsiteY7" fmla="*/ 2256 h 3892932"/>
+                <a:gd name="connsiteX8" fmla="*/ 1073547 w 1115255"/>
+                <a:gd name="connsiteY8" fmla="*/ 108054 h 3892932"/>
+                <a:gd name="connsiteX9" fmla="*/ 1096218 w 1115255"/>
+                <a:gd name="connsiteY9" fmla="*/ 327208 h 3892932"/>
+                <a:gd name="connsiteX10" fmla="*/ 1103775 w 1115255"/>
+                <a:gd name="connsiteY10" fmla="*/ 1067796 h 3892932"/>
+                <a:gd name="connsiteX11" fmla="*/ 1103775 w 1115255"/>
+                <a:gd name="connsiteY11" fmla="*/ 3161092 h 3892932"/>
+                <a:gd name="connsiteX12" fmla="*/ 952635 w 1115255"/>
+                <a:gd name="connsiteY12" fmla="*/ 3833667 h 3892932"/>
+                <a:gd name="connsiteX13" fmla="*/ 695696 w 1115255"/>
+                <a:gd name="connsiteY13" fmla="*/ 3841224 h 3892932"/>
+                <a:gd name="connsiteX14" fmla="*/ 370744 w 1115255"/>
+                <a:gd name="connsiteY14" fmla="*/ 3674970 h 3892932"/>
+                <a:gd name="connsiteX15" fmla="*/ 83577 w 1115255"/>
+                <a:gd name="connsiteY15" fmla="*/ 3486044 h 3892932"/>
+                <a:gd name="connsiteX16" fmla="*/ 15564 w 1115255"/>
+                <a:gd name="connsiteY16" fmla="*/ 3229105 h 3892932"/>
+                <a:gd name="connsiteX17" fmla="*/ 8007 w 1115255"/>
+                <a:gd name="connsiteY17" fmla="*/ 2707671 h 3892932"/>
+                <a:gd name="connsiteX18" fmla="*/ 8007 w 1115255"/>
+                <a:gd name="connsiteY18" fmla="*/ 2193793 h 3892932"/>
+              </a:gdLst>
+              <a:ahLst/>
+              <a:cxnLst>
+                <a:cxn ang="0">
+                  <a:pos x="connsiteX0" y="connsiteY0"/>
+                </a:cxn>
+                <a:cxn ang="0">
+                  <a:pos x="connsiteX1" y="connsiteY1"/>
+                </a:cxn>
+                <a:cxn ang="0">
+                  <a:pos x="connsiteX2" y="connsiteY2"/>
+                </a:cxn>
+                <a:cxn ang="0">
+                  <a:pos x="connsiteX3" y="connsiteY3"/>
+                </a:cxn>
+                <a:cxn ang="0">
+                  <a:pos x="connsiteX4" y="connsiteY4"/>
+                </a:cxn>
+                <a:cxn ang="0">
+                  <a:pos x="connsiteX5" y="connsiteY5"/>
+                </a:cxn>
+                <a:cxn ang="0">
+                  <a:pos x="connsiteX6" y="connsiteY6"/>
+                </a:cxn>
+                <a:cxn ang="0">
+                  <a:pos x="connsiteX7" y="connsiteY7"/>
+                </a:cxn>
+                <a:cxn ang="0">
+                  <a:pos x="connsiteX8" y="connsiteY8"/>
+                </a:cxn>
+                <a:cxn ang="0">
+                  <a:pos x="connsiteX9" y="connsiteY9"/>
+                </a:cxn>
+                <a:cxn ang="0">
+                  <a:pos x="connsiteX10" y="connsiteY10"/>
+                </a:cxn>
+                <a:cxn ang="0">
+                  <a:pos x="connsiteX11" y="connsiteY11"/>
+                </a:cxn>
+                <a:cxn ang="0">
+                  <a:pos x="connsiteX12" y="connsiteY12"/>
+                </a:cxn>
+                <a:cxn ang="0">
+                  <a:pos x="connsiteX13" y="connsiteY13"/>
+                </a:cxn>
+                <a:cxn ang="0">
+                  <a:pos x="connsiteX14" y="connsiteY14"/>
+                </a:cxn>
+                <a:cxn ang="0">
+                  <a:pos x="connsiteX15" y="connsiteY15"/>
+                </a:cxn>
+                <a:cxn ang="0">
+                  <a:pos x="connsiteX16" y="connsiteY16"/>
+                </a:cxn>
+                <a:cxn ang="0">
+                  <a:pos x="connsiteX17" y="connsiteY17"/>
+                </a:cxn>
+                <a:cxn ang="0">
+                  <a:pos x="connsiteX18" y="connsiteY18"/>
+                </a:cxn>
+              </a:cxnLst>
+              <a:rect l="l" t="t" r="r" b="b"/>
+              <a:pathLst>
+                <a:path w="1115255" h="3892932">
+                  <a:moveTo>
+                    <a:pt x="8007" y="2193793"/>
+                  </a:moveTo>
+                  <a:cubicBezTo>
+                    <a:pt x="6747" y="1980937"/>
+                    <a:pt x="-2069" y="1666060"/>
+                    <a:pt x="450" y="1430533"/>
+                  </a:cubicBezTo>
+                  <a:cubicBezTo>
+                    <a:pt x="2969" y="1195006"/>
+                    <a:pt x="9267" y="934288"/>
+                    <a:pt x="23121" y="780629"/>
+                  </a:cubicBezTo>
+                  <a:cubicBezTo>
+                    <a:pt x="36976" y="626969"/>
+                    <a:pt x="57128" y="586665"/>
+                    <a:pt x="83577" y="508576"/>
+                  </a:cubicBezTo>
+                  <a:cubicBezTo>
+                    <a:pt x="110027" y="430487"/>
+                    <a:pt x="133957" y="366253"/>
+                    <a:pt x="181818" y="312094"/>
+                  </a:cubicBezTo>
+                  <a:cubicBezTo>
+                    <a:pt x="229679" y="257935"/>
+                    <a:pt x="293914" y="227707"/>
+                    <a:pt x="370744" y="183624"/>
+                  </a:cubicBezTo>
+                  <a:cubicBezTo>
+                    <a:pt x="447574" y="139541"/>
+                    <a:pt x="550853" y="77826"/>
+                    <a:pt x="642797" y="47598"/>
+                  </a:cubicBezTo>
+                  <a:cubicBezTo>
+                    <a:pt x="734741" y="17370"/>
+                    <a:pt x="850615" y="-7820"/>
+                    <a:pt x="922407" y="2256"/>
+                  </a:cubicBezTo>
+                  <a:cubicBezTo>
+                    <a:pt x="994199" y="12332"/>
+                    <a:pt x="1044579" y="53895"/>
+                    <a:pt x="1073547" y="108054"/>
+                  </a:cubicBezTo>
+                  <a:cubicBezTo>
+                    <a:pt x="1102516" y="162213"/>
+                    <a:pt x="1091180" y="167251"/>
+                    <a:pt x="1096218" y="327208"/>
+                  </a:cubicBezTo>
+                  <a:cubicBezTo>
+                    <a:pt x="1101256" y="487165"/>
+                    <a:pt x="1102516" y="595482"/>
+                    <a:pt x="1103775" y="1067796"/>
+                  </a:cubicBezTo>
+                  <a:cubicBezTo>
+                    <a:pt x="1105035" y="1540110"/>
+                    <a:pt x="1128965" y="2700114"/>
+                    <a:pt x="1103775" y="3161092"/>
+                  </a:cubicBezTo>
+                  <a:cubicBezTo>
+                    <a:pt x="1078585" y="3622070"/>
+                    <a:pt x="1020648" y="3720312"/>
+                    <a:pt x="952635" y="3833667"/>
+                  </a:cubicBezTo>
+                  <a:cubicBezTo>
+                    <a:pt x="884622" y="3947022"/>
+                    <a:pt x="792678" y="3867674"/>
+                    <a:pt x="695696" y="3841224"/>
+                  </a:cubicBezTo>
+                  <a:cubicBezTo>
+                    <a:pt x="598714" y="3814775"/>
+                    <a:pt x="472764" y="3734167"/>
+                    <a:pt x="370744" y="3674970"/>
+                  </a:cubicBezTo>
+                  <a:cubicBezTo>
+                    <a:pt x="268724" y="3615773"/>
+                    <a:pt x="142774" y="3560355"/>
+                    <a:pt x="83577" y="3486044"/>
+                  </a:cubicBezTo>
+                  <a:cubicBezTo>
+                    <a:pt x="24380" y="3411733"/>
+                    <a:pt x="28159" y="3358834"/>
+                    <a:pt x="15564" y="3229105"/>
+                  </a:cubicBezTo>
+                  <a:cubicBezTo>
+                    <a:pt x="2969" y="3099376"/>
+                    <a:pt x="9266" y="2886520"/>
+                    <a:pt x="8007" y="2707671"/>
+                  </a:cubicBezTo>
+                  <a:cubicBezTo>
+                    <a:pt x="6748" y="2528822"/>
+                    <a:pt x="9267" y="2406649"/>
+                    <a:pt x="8007" y="2193793"/>
+                  </a:cubicBezTo>
+                  <a:close/>
+                </a:path>
+              </a:pathLst>
+            </a:custGeom>
+            <a:solidFill>
+              <a:srgbClr val="FF0000">
+                <a:alpha val="16000"/>
+              </a:srgbClr>
+            </a:solidFill>
+            <a:ln>
+              <a:noFill/>
+            </a:ln>
+          </p:spPr>
+          <p:style>
+            <a:lnRef idx="2">
+              <a:schemeClr val="accent1">
+                <a:shade val="50000"/>
+              </a:schemeClr>
+            </a:lnRef>
+            <a:fillRef idx="1">
+              <a:schemeClr val="accent1"/>
+            </a:fillRef>
+            <a:effectRef idx="0">
+              <a:schemeClr val="accent1"/>
+            </a:effectRef>
+            <a:fontRef idx="minor">
+              <a:schemeClr val="lt1"/>
+            </a:fontRef>
+          </p:style>
+          <p:txBody>
+            <a:bodyPr rtlCol="0" anchor="ctr"/>
+            <a:lstStyle/>
+            <a:p>
+              <a:pPr algn="ctr"/>
+              <a:endParaRPr lang="en-US"/>
+            </a:p>
+          </p:txBody>
+        </p:sp>
+        <p:cxnSp>
+          <p:nvCxnSpPr>
+            <p:cNvPr id="42" name="Straight Arrow Connector 41"/>
+            <p:cNvCxnSpPr>
+              <a:cxnSpLocks/>
+            </p:cNvCxnSpPr>
+            <p:nvPr/>
+          </p:nvCxnSpPr>
+          <p:spPr>
+            <a:xfrm flipV="1">
+              <a:off x="5967531" y="1813686"/>
+              <a:ext cx="0" cy="3210006"/>
+            </a:xfrm>
+            <a:prstGeom prst="straightConnector1">
+              <a:avLst/>
+            </a:prstGeom>
+            <a:ln w="12700">
+              <a:solidFill>
+                <a:schemeClr val="tx1"/>
+              </a:solidFill>
+              <a:tailEnd type="triangle"/>
+            </a:ln>
+          </p:spPr>
+          <p:style>
+            <a:lnRef idx="1">
+              <a:schemeClr val="accent1"/>
+            </a:lnRef>
+            <a:fillRef idx="0">
+              <a:schemeClr val="accent1"/>
+            </a:fillRef>
+            <a:effectRef idx="0">
+              <a:schemeClr val="accent1"/>
+            </a:effectRef>
+            <a:fontRef idx="minor">
+              <a:schemeClr val="tx1"/>
+            </a:fontRef>
+          </p:style>
+        </p:cxnSp>
+        <p:sp>
+          <p:nvSpPr>
+            <p:cNvPr id="47" name="TextBox 46"/>
+            <p:cNvSpPr txBox="1"/>
+            <p:nvPr/>
+          </p:nvSpPr>
+          <p:spPr>
+            <a:xfrm>
+              <a:off x="1455986" y="3475390"/>
+              <a:ext cx="997528" cy="369332"/>
+            </a:xfrm>
+            <a:prstGeom prst="rect">
+              <a:avLst/>
+            </a:prstGeom>
+            <a:noFill/>
+          </p:spPr>
+          <p:txBody>
+            <a:bodyPr wrap="square" rtlCol="0">
+              <a:spAutoFit/>
+            </a:bodyPr>
+            <a:lstStyle/>
+            <a:p>
+              <a:pPr algn="ctr"/>
+              <a:r>
+                <a:rPr lang="en-US" dirty="0"/>
+                <a:t>Source</a:t>
+              </a:r>
+            </a:p>
+          </p:txBody>
+        </p:sp>
+        <p:sp>
+          <p:nvSpPr>
+            <p:cNvPr id="48" name="TextBox 47"/>
+            <p:cNvSpPr txBox="1"/>
+            <p:nvPr/>
+          </p:nvSpPr>
+          <p:spPr>
+            <a:xfrm>
+              <a:off x="9136115" y="5336876"/>
+              <a:ext cx="1171337" cy="369332"/>
+            </a:xfrm>
+            <a:prstGeom prst="rect">
+              <a:avLst/>
+            </a:prstGeom>
+            <a:noFill/>
+          </p:spPr>
+          <p:txBody>
+            <a:bodyPr wrap="square" rtlCol="0">
+              <a:spAutoFit/>
+            </a:bodyPr>
+            <a:lstStyle/>
+            <a:p>
+              <a:pPr algn="ctr"/>
+              <a:r>
+                <a:rPr lang="en-US" dirty="0"/>
+                <a:t>Detector</a:t>
+              </a:r>
+            </a:p>
+          </p:txBody>
+        </p:sp>
+        <p:sp>
+          <p:nvSpPr>
+            <p:cNvPr id="8" name="TextBox 7">
+              <a:extLst>
+                <a:ext uri="{FF2B5EF4-FFF2-40B4-BE49-F238E27FC236}">
+                  <a16:creationId xmlns:a16="http://schemas.microsoft.com/office/drawing/2014/main" id="{92CEFCCF-9EC6-3297-E054-B99E85589982}"/>
+                </a:ext>
+              </a:extLst>
+            </p:cNvPr>
+            <p:cNvSpPr txBox="1"/>
+            <p:nvPr/>
+          </p:nvSpPr>
+          <p:spPr>
+            <a:xfrm>
+              <a:off x="7002846" y="3840726"/>
+              <a:ext cx="997528" cy="369332"/>
+            </a:xfrm>
+            <a:prstGeom prst="rect">
+              <a:avLst/>
+            </a:prstGeom>
+            <a:noFill/>
+          </p:spPr>
+          <p:txBody>
+            <a:bodyPr wrap="square" rtlCol="0">
+              <a:spAutoFit/>
+            </a:bodyPr>
+            <a:lstStyle/>
+            <a:p>
+              <a:pPr algn="ctr"/>
+              <a:r>
+                <a:rPr lang="en-US" dirty="0"/>
+                <a:t>object</a:t>
+              </a:r>
+            </a:p>
+          </p:txBody>
+        </p:sp>
+        <p:sp>
+          <p:nvSpPr>
+            <p:cNvPr id="9" name="TextBox 8">
+              <a:extLst>
+                <a:ext uri="{FF2B5EF4-FFF2-40B4-BE49-F238E27FC236}">
+                  <a16:creationId xmlns:a16="http://schemas.microsoft.com/office/drawing/2014/main" id="{1D4430D9-9336-A4D7-3312-F06FE5673B52}"/>
+                </a:ext>
+              </a:extLst>
+            </p:cNvPr>
+            <p:cNvSpPr txBox="1"/>
+            <p:nvPr/>
+          </p:nvSpPr>
+          <p:spPr>
+            <a:xfrm>
+              <a:off x="6111115" y="1497044"/>
+              <a:ext cx="822723" cy="646331"/>
+            </a:xfrm>
+            <a:prstGeom prst="rect">
+              <a:avLst/>
+            </a:prstGeom>
+            <a:noFill/>
+          </p:spPr>
+          <p:txBody>
+            <a:bodyPr wrap="square" rtlCol="0">
+              <a:spAutoFit/>
+            </a:bodyPr>
+            <a:lstStyle/>
+            <a:p>
+              <a:pPr algn="ctr"/>
+              <a:r>
+                <a:rPr lang="en-US" dirty="0"/>
+                <a:t>view angles</a:t>
+              </a:r>
+            </a:p>
+          </p:txBody>
+        </p:sp>
+      </p:grpSp>
+    </p:spTree>
+    <p:extLst>
+      <p:ext uri="{BB962C8B-B14F-4D97-AF65-F5344CB8AC3E}">
+        <p14:creationId xmlns:p14="http://schemas.microsoft.com/office/powerpoint/2010/main" val="2176161304"/>
+      </p:ext>
+    </p:extLst>
+  </p:cSld>
+  <p:clrMapOvr>
+    <a:masterClrMapping/>
+  </p:clrMapOvr>
+</p:sld>
+</file>
+
+<file path=ppt/slides/slide3.xml><?xml version="1.0" encoding="utf-8"?>
+<p:sld xmlns:a="http://schemas.openxmlformats.org/drawingml/2006/main" xmlns:r="http://schemas.openxmlformats.org/officeDocument/2006/relationships" xmlns:p="http://schemas.openxmlformats.org/presentationml/2006/main">
+  <p:cSld>
+    <p:spTree>
+      <p:nvGrpSpPr>
+        <p:cNvPr id="1" name=""/>
+        <p:cNvGrpSpPr/>
+        <p:nvPr/>
+      </p:nvGrpSpPr>
+      <p:grpSpPr>
+        <a:xfrm>
+          <a:off x="0" y="0"/>
+          <a:ext cx="0" cy="0"/>
+          <a:chOff x="0" y="0"/>
+          <a:chExt cx="0" cy="0"/>
+        </a:xfrm>
+      </p:grpSpPr>
+      <p:grpSp>
+        <p:nvGrpSpPr>
+          <p:cNvPr id="25" name="Group 24">
+            <a:extLst>
+              <a:ext uri="{FF2B5EF4-FFF2-40B4-BE49-F238E27FC236}">
+                <a16:creationId xmlns:a16="http://schemas.microsoft.com/office/drawing/2014/main" id="{43FE9640-0E9C-107A-67A4-7F90B8F3DA7B}"/>
+              </a:ext>
+            </a:extLst>
+          </p:cNvPr>
+          <p:cNvGrpSpPr/>
+          <p:nvPr/>
+        </p:nvGrpSpPr>
+        <p:grpSpPr>
+          <a:xfrm>
+            <a:off x="1563687" y="1510058"/>
+            <a:ext cx="8975844" cy="3515340"/>
+            <a:chOff x="1563687" y="1510058"/>
+            <a:chExt cx="8975844" cy="3515340"/>
+          </a:xfrm>
+        </p:grpSpPr>
+        <p:sp>
+          <p:nvSpPr>
+            <p:cNvPr id="31" name="Trapezoid 30"/>
+            <p:cNvSpPr/>
+            <p:nvPr/>
+          </p:nvSpPr>
+          <p:spPr>
+            <a:xfrm rot="16200000">
+              <a:off x="8878519" y="2956964"/>
+              <a:ext cx="2082677" cy="1103326"/>
+            </a:xfrm>
+            <a:prstGeom prst="trapezoid">
+              <a:avLst>
+                <a:gd name="adj" fmla="val 28587"/>
+              </a:avLst>
+            </a:prstGeom>
+            <a:noFill/>
+            <a:ln w="19050">
+              <a:solidFill>
+                <a:schemeClr val="tx1"/>
+              </a:solidFill>
+            </a:ln>
+          </p:spPr>
+          <p:style>
+            <a:lnRef idx="2">
+              <a:schemeClr val="accent1">
+                <a:shade val="50000"/>
+              </a:schemeClr>
+            </a:lnRef>
+            <a:fillRef idx="1">
+              <a:schemeClr val="accent1"/>
+            </a:fillRef>
+            <a:effectRef idx="0">
+              <a:schemeClr val="accent1"/>
+            </a:effectRef>
+            <a:fontRef idx="minor">
+              <a:schemeClr val="lt1"/>
+            </a:fontRef>
+          </p:style>
+          <p:txBody>
+            <a:bodyPr rtlCol="0" anchor="ctr"/>
+            <a:lstStyle/>
+            <a:p>
+              <a:pPr algn="ctr"/>
+              <a:endParaRPr lang="en-US"/>
+            </a:p>
+          </p:txBody>
+        </p:sp>
+        <p:sp>
+          <p:nvSpPr>
+            <p:cNvPr id="32" name="Sun 31"/>
+            <p:cNvSpPr/>
+            <p:nvPr/>
+          </p:nvSpPr>
+          <p:spPr>
+            <a:xfrm>
+              <a:off x="1879180" y="3279749"/>
+              <a:ext cx="151141" cy="151141"/>
+            </a:xfrm>
+            <a:prstGeom prst="sun">
+              <a:avLst/>
+            </a:prstGeom>
+            <a:noFill/>
+            <a:ln>
+              <a:solidFill>
+                <a:schemeClr val="tx1"/>
+              </a:solidFill>
+            </a:ln>
+          </p:spPr>
+          <p:style>
+            <a:lnRef idx="2">
+              <a:schemeClr val="accent1">
+                <a:shade val="50000"/>
+              </a:schemeClr>
+            </a:lnRef>
+            <a:fillRef idx="1">
+              <a:schemeClr val="accent1"/>
+            </a:fillRef>
+            <a:effectRef idx="0">
+              <a:schemeClr val="accent1"/>
+            </a:effectRef>
+            <a:fontRef idx="minor">
+              <a:schemeClr val="lt1"/>
+            </a:fontRef>
+          </p:style>
+          <p:txBody>
+            <a:bodyPr rtlCol="0" anchor="ctr"/>
+            <a:lstStyle/>
+            <a:p>
+              <a:pPr algn="ctr"/>
+              <a:endParaRPr lang="en-US"/>
+            </a:p>
+          </p:txBody>
+        </p:sp>
+        <p:cxnSp>
+          <p:nvCxnSpPr>
+            <p:cNvPr id="37" name="Straight Connector 36"/>
+            <p:cNvCxnSpPr>
+              <a:cxnSpLocks/>
+            </p:cNvCxnSpPr>
+            <p:nvPr/>
+          </p:nvCxnSpPr>
+          <p:spPr>
+            <a:xfrm flipH="1">
+              <a:off x="2225407" y="2467289"/>
+              <a:ext cx="8236282" cy="0"/>
+            </a:xfrm>
+            <a:prstGeom prst="line">
+              <a:avLst/>
+            </a:prstGeom>
+            <a:ln w="12700">
+              <a:solidFill>
+                <a:schemeClr val="tx1">
+                  <a:alpha val="39000"/>
+                </a:schemeClr>
+              </a:solidFill>
+              <a:prstDash val="sysDot"/>
+              <a:tailEnd type="none"/>
+            </a:ln>
+          </p:spPr>
+          <p:style>
+            <a:lnRef idx="1">
+              <a:schemeClr val="accent1"/>
+            </a:lnRef>
+            <a:fillRef idx="0">
+              <a:schemeClr val="accent1"/>
+            </a:fillRef>
+            <a:effectRef idx="0">
+              <a:schemeClr val="accent1"/>
+            </a:effectRef>
+            <a:fontRef idx="minor">
+              <a:schemeClr val="tx1"/>
+            </a:fontRef>
+          </p:style>
+        </p:cxnSp>
+        <p:sp>
+          <p:nvSpPr>
+            <p:cNvPr id="41" name="Freeform 40"/>
+            <p:cNvSpPr/>
+            <p:nvPr/>
+          </p:nvSpPr>
+          <p:spPr>
+            <a:xfrm>
+              <a:off x="9384634" y="2750849"/>
+              <a:ext cx="1077055" cy="1556746"/>
+            </a:xfrm>
+            <a:custGeom>
+              <a:avLst/>
+              <a:gdLst>
+                <a:gd name="connsiteX0" fmla="*/ 8007 w 1115255"/>
+                <a:gd name="connsiteY0" fmla="*/ 2193793 h 3892932"/>
+                <a:gd name="connsiteX1" fmla="*/ 450 w 1115255"/>
+                <a:gd name="connsiteY1" fmla="*/ 1430533 h 3892932"/>
+                <a:gd name="connsiteX2" fmla="*/ 23121 w 1115255"/>
+                <a:gd name="connsiteY2" fmla="*/ 780629 h 3892932"/>
+                <a:gd name="connsiteX3" fmla="*/ 83577 w 1115255"/>
+                <a:gd name="connsiteY3" fmla="*/ 508576 h 3892932"/>
+                <a:gd name="connsiteX4" fmla="*/ 181818 w 1115255"/>
+                <a:gd name="connsiteY4" fmla="*/ 312094 h 3892932"/>
+                <a:gd name="connsiteX5" fmla="*/ 370744 w 1115255"/>
+                <a:gd name="connsiteY5" fmla="*/ 183624 h 3892932"/>
+                <a:gd name="connsiteX6" fmla="*/ 642797 w 1115255"/>
+                <a:gd name="connsiteY6" fmla="*/ 47598 h 3892932"/>
+                <a:gd name="connsiteX7" fmla="*/ 922407 w 1115255"/>
+                <a:gd name="connsiteY7" fmla="*/ 2256 h 3892932"/>
+                <a:gd name="connsiteX8" fmla="*/ 1073547 w 1115255"/>
+                <a:gd name="connsiteY8" fmla="*/ 108054 h 3892932"/>
+                <a:gd name="connsiteX9" fmla="*/ 1096218 w 1115255"/>
+                <a:gd name="connsiteY9" fmla="*/ 327208 h 3892932"/>
+                <a:gd name="connsiteX10" fmla="*/ 1103775 w 1115255"/>
+                <a:gd name="connsiteY10" fmla="*/ 1067796 h 3892932"/>
+                <a:gd name="connsiteX11" fmla="*/ 1103775 w 1115255"/>
+                <a:gd name="connsiteY11" fmla="*/ 3161092 h 3892932"/>
+                <a:gd name="connsiteX12" fmla="*/ 952635 w 1115255"/>
+                <a:gd name="connsiteY12" fmla="*/ 3833667 h 3892932"/>
+                <a:gd name="connsiteX13" fmla="*/ 695696 w 1115255"/>
+                <a:gd name="connsiteY13" fmla="*/ 3841224 h 3892932"/>
+                <a:gd name="connsiteX14" fmla="*/ 370744 w 1115255"/>
+                <a:gd name="connsiteY14" fmla="*/ 3674970 h 3892932"/>
+                <a:gd name="connsiteX15" fmla="*/ 83577 w 1115255"/>
+                <a:gd name="connsiteY15" fmla="*/ 3486044 h 3892932"/>
+                <a:gd name="connsiteX16" fmla="*/ 15564 w 1115255"/>
+                <a:gd name="connsiteY16" fmla="*/ 3229105 h 3892932"/>
+                <a:gd name="connsiteX17" fmla="*/ 8007 w 1115255"/>
+                <a:gd name="connsiteY17" fmla="*/ 2707671 h 3892932"/>
+                <a:gd name="connsiteX18" fmla="*/ 8007 w 1115255"/>
+                <a:gd name="connsiteY18" fmla="*/ 2193793 h 3892932"/>
+              </a:gdLst>
+              <a:ahLst/>
+              <a:cxnLst>
+                <a:cxn ang="0">
+                  <a:pos x="connsiteX0" y="connsiteY0"/>
+                </a:cxn>
+                <a:cxn ang="0">
+                  <a:pos x="connsiteX1" y="connsiteY1"/>
+                </a:cxn>
+                <a:cxn ang="0">
+                  <a:pos x="connsiteX2" y="connsiteY2"/>
+                </a:cxn>
+                <a:cxn ang="0">
+                  <a:pos x="connsiteX3" y="connsiteY3"/>
+                </a:cxn>
+                <a:cxn ang="0">
+                  <a:pos x="connsiteX4" y="connsiteY4"/>
+                </a:cxn>
+                <a:cxn ang="0">
+                  <a:pos x="connsiteX5" y="connsiteY5"/>
+                </a:cxn>
+                <a:cxn ang="0">
+                  <a:pos x="connsiteX6" y="connsiteY6"/>
+                </a:cxn>
+                <a:cxn ang="0">
+                  <a:pos x="connsiteX7" y="connsiteY7"/>
+                </a:cxn>
+                <a:cxn ang="0">
+                  <a:pos x="connsiteX8" y="connsiteY8"/>
+                </a:cxn>
+                <a:cxn ang="0">
+                  <a:pos x="connsiteX9" y="connsiteY9"/>
+                </a:cxn>
+                <a:cxn ang="0">
+                  <a:pos x="connsiteX10" y="connsiteY10"/>
+                </a:cxn>
+                <a:cxn ang="0">
+                  <a:pos x="connsiteX11" y="connsiteY11"/>
+                </a:cxn>
+                <a:cxn ang="0">
+                  <a:pos x="connsiteX12" y="connsiteY12"/>
+                </a:cxn>
+                <a:cxn ang="0">
+                  <a:pos x="connsiteX13" y="connsiteY13"/>
+                </a:cxn>
+                <a:cxn ang="0">
+                  <a:pos x="connsiteX14" y="connsiteY14"/>
+                </a:cxn>
+                <a:cxn ang="0">
+                  <a:pos x="connsiteX15" y="connsiteY15"/>
+                </a:cxn>
+                <a:cxn ang="0">
+                  <a:pos x="connsiteX16" y="connsiteY16"/>
+                </a:cxn>
+                <a:cxn ang="0">
+                  <a:pos x="connsiteX17" y="connsiteY17"/>
+                </a:cxn>
+                <a:cxn ang="0">
+                  <a:pos x="connsiteX18" y="connsiteY18"/>
+                </a:cxn>
+              </a:cxnLst>
+              <a:rect l="l" t="t" r="r" b="b"/>
+              <a:pathLst>
+                <a:path w="1115255" h="3892932">
+                  <a:moveTo>
+                    <a:pt x="8007" y="2193793"/>
+                  </a:moveTo>
+                  <a:cubicBezTo>
+                    <a:pt x="6747" y="1980937"/>
+                    <a:pt x="-2069" y="1666060"/>
+                    <a:pt x="450" y="1430533"/>
+                  </a:cubicBezTo>
+                  <a:cubicBezTo>
+                    <a:pt x="2969" y="1195006"/>
+                    <a:pt x="9267" y="934288"/>
+                    <a:pt x="23121" y="780629"/>
+                  </a:cubicBezTo>
+                  <a:cubicBezTo>
+                    <a:pt x="36976" y="626969"/>
+                    <a:pt x="57128" y="586665"/>
+                    <a:pt x="83577" y="508576"/>
+                  </a:cubicBezTo>
+                  <a:cubicBezTo>
+                    <a:pt x="110027" y="430487"/>
+                    <a:pt x="133957" y="366253"/>
+                    <a:pt x="181818" y="312094"/>
+                  </a:cubicBezTo>
+                  <a:cubicBezTo>
+                    <a:pt x="229679" y="257935"/>
+                    <a:pt x="293914" y="227707"/>
+                    <a:pt x="370744" y="183624"/>
+                  </a:cubicBezTo>
+                  <a:cubicBezTo>
+                    <a:pt x="447574" y="139541"/>
+                    <a:pt x="550853" y="77826"/>
+                    <a:pt x="642797" y="47598"/>
+                  </a:cubicBezTo>
+                  <a:cubicBezTo>
+                    <a:pt x="734741" y="17370"/>
+                    <a:pt x="850615" y="-7820"/>
+                    <a:pt x="922407" y="2256"/>
+                  </a:cubicBezTo>
+                  <a:cubicBezTo>
+                    <a:pt x="994199" y="12332"/>
+                    <a:pt x="1044579" y="53895"/>
+                    <a:pt x="1073547" y="108054"/>
+                  </a:cubicBezTo>
+                  <a:cubicBezTo>
+                    <a:pt x="1102516" y="162213"/>
+                    <a:pt x="1091180" y="167251"/>
+                    <a:pt x="1096218" y="327208"/>
+                  </a:cubicBezTo>
+                  <a:cubicBezTo>
+                    <a:pt x="1101256" y="487165"/>
+                    <a:pt x="1102516" y="595482"/>
+                    <a:pt x="1103775" y="1067796"/>
+                  </a:cubicBezTo>
+                  <a:cubicBezTo>
+                    <a:pt x="1105035" y="1540110"/>
+                    <a:pt x="1128965" y="2700114"/>
+                    <a:pt x="1103775" y="3161092"/>
+                  </a:cubicBezTo>
+                  <a:cubicBezTo>
+                    <a:pt x="1078585" y="3622070"/>
+                    <a:pt x="1020648" y="3720312"/>
+                    <a:pt x="952635" y="3833667"/>
+                  </a:cubicBezTo>
+                  <a:cubicBezTo>
+                    <a:pt x="884622" y="3947022"/>
+                    <a:pt x="792678" y="3867674"/>
+                    <a:pt x="695696" y="3841224"/>
+                  </a:cubicBezTo>
+                  <a:cubicBezTo>
+                    <a:pt x="598714" y="3814775"/>
+                    <a:pt x="472764" y="3734167"/>
+                    <a:pt x="370744" y="3674970"/>
+                  </a:cubicBezTo>
+                  <a:cubicBezTo>
+                    <a:pt x="268724" y="3615773"/>
+                    <a:pt x="142774" y="3560355"/>
+                    <a:pt x="83577" y="3486044"/>
+                  </a:cubicBezTo>
+                  <a:cubicBezTo>
+                    <a:pt x="24380" y="3411733"/>
+                    <a:pt x="28159" y="3358834"/>
+                    <a:pt x="15564" y="3229105"/>
+                  </a:cubicBezTo>
+                  <a:cubicBezTo>
+                    <a:pt x="2969" y="3099376"/>
+                    <a:pt x="9266" y="2886520"/>
+                    <a:pt x="8007" y="2707671"/>
+                  </a:cubicBezTo>
+                  <a:cubicBezTo>
+                    <a:pt x="6748" y="2528822"/>
+                    <a:pt x="9267" y="2406649"/>
+                    <a:pt x="8007" y="2193793"/>
+                  </a:cubicBezTo>
+                  <a:close/>
+                </a:path>
+              </a:pathLst>
+            </a:custGeom>
+            <a:solidFill>
+              <a:srgbClr val="FF0000">
+                <a:alpha val="16000"/>
+              </a:srgbClr>
+            </a:solidFill>
+            <a:ln>
+              <a:noFill/>
+            </a:ln>
+          </p:spPr>
+          <p:style>
+            <a:lnRef idx="2">
+              <a:schemeClr val="accent1">
+                <a:shade val="50000"/>
+              </a:schemeClr>
+            </a:lnRef>
+            <a:fillRef idx="1">
+              <a:schemeClr val="accent1"/>
+            </a:fillRef>
+            <a:effectRef idx="0">
+              <a:schemeClr val="accent1"/>
+            </a:effectRef>
+            <a:fontRef idx="minor">
+              <a:schemeClr val="lt1"/>
+            </a:fontRef>
+          </p:style>
+          <p:txBody>
+            <a:bodyPr rtlCol="0" anchor="ctr"/>
+            <a:lstStyle/>
+            <a:p>
+              <a:pPr algn="ctr"/>
+              <a:endParaRPr lang="en-US"/>
+            </a:p>
+          </p:txBody>
+        </p:sp>
+        <p:grpSp>
+          <p:nvGrpSpPr>
+            <p:cNvPr id="2" name="Group 1">
+              <a:extLst>
+                <a:ext uri="{FF2B5EF4-FFF2-40B4-BE49-F238E27FC236}">
+                  <a16:creationId xmlns:a16="http://schemas.microsoft.com/office/drawing/2014/main" id="{2255773B-B200-74AD-65D3-4096C1D81A2D}"/>
+                </a:ext>
+              </a:extLst>
+            </p:cNvPr>
+            <p:cNvGrpSpPr/>
+            <p:nvPr/>
+          </p:nvGrpSpPr>
+          <p:grpSpPr>
+            <a:xfrm rot="19865018">
+              <a:off x="4985131" y="1815392"/>
+              <a:ext cx="1913284" cy="3210006"/>
+              <a:chOff x="4984691" y="1813686"/>
+              <a:chExt cx="1913284" cy="3210006"/>
+            </a:xfrm>
+          </p:grpSpPr>
+          <p:cxnSp>
+            <p:nvCxnSpPr>
+              <p:cNvPr id="34" name="Curved Connector 33"/>
+              <p:cNvCxnSpPr/>
+              <p:nvPr/>
+            </p:nvCxnSpPr>
+            <p:spPr>
+              <a:xfrm>
+                <a:off x="5823948" y="2052690"/>
+                <a:ext cx="445865" cy="90685"/>
+              </a:xfrm>
+              <a:prstGeom prst="curvedConnector3">
+                <a:avLst>
+                  <a:gd name="adj1" fmla="val -38135"/>
+                </a:avLst>
+              </a:prstGeom>
+              <a:ln w="12700">
+                <a:solidFill>
+                  <a:schemeClr val="tx1"/>
+                </a:solidFill>
+                <a:tailEnd type="triangle"/>
+              </a:ln>
+            </p:spPr>
+            <p:style>
+              <a:lnRef idx="1">
+                <a:schemeClr val="accent1"/>
+              </a:lnRef>
+              <a:fillRef idx="0">
+                <a:schemeClr val="accent1"/>
+              </a:fillRef>
+              <a:effectRef idx="0">
+                <a:schemeClr val="accent1"/>
+              </a:effectRef>
+              <a:fontRef idx="minor">
+                <a:schemeClr val="tx1"/>
+              </a:fontRef>
+            </p:style>
+          </p:cxnSp>
+          <p:sp>
+            <p:nvSpPr>
+              <p:cNvPr id="40" name="Can 39"/>
+              <p:cNvSpPr/>
+              <p:nvPr/>
+            </p:nvSpPr>
+            <p:spPr>
+              <a:xfrm>
+                <a:off x="4984691" y="3206364"/>
+                <a:ext cx="1913284" cy="335834"/>
+              </a:xfrm>
+              <a:prstGeom prst="can">
+                <a:avLst>
+                  <a:gd name="adj" fmla="val 13393"/>
+                </a:avLst>
+              </a:prstGeom>
+              <a:solidFill>
+                <a:srgbClr val="FF0000">
+                  <a:alpha val="24000"/>
+                </a:srgbClr>
+              </a:solidFill>
+              <a:ln>
+                <a:solidFill>
+                  <a:schemeClr val="tx1"/>
+                </a:solidFill>
+              </a:ln>
+            </p:spPr>
+            <p:style>
+              <a:lnRef idx="2">
+                <a:schemeClr val="accent1">
+                  <a:shade val="50000"/>
+                </a:schemeClr>
+              </a:lnRef>
+              <a:fillRef idx="1">
+                <a:schemeClr val="accent1"/>
+              </a:fillRef>
+              <a:effectRef idx="0">
+                <a:schemeClr val="accent1"/>
+              </a:effectRef>
+              <a:fontRef idx="minor">
+                <a:schemeClr val="lt1"/>
+              </a:fontRef>
+            </p:style>
+            <p:txBody>
+              <a:bodyPr rtlCol="0" anchor="ctr"/>
+              <a:lstStyle/>
+              <a:p>
+                <a:pPr algn="ctr"/>
+                <a:endParaRPr lang="en-US" dirty="0"/>
+              </a:p>
+            </p:txBody>
+          </p:sp>
+          <p:cxnSp>
+            <p:nvCxnSpPr>
+              <p:cNvPr id="42" name="Straight Arrow Connector 41"/>
+              <p:cNvCxnSpPr>
+                <a:cxnSpLocks/>
+              </p:cNvCxnSpPr>
+              <p:nvPr/>
+            </p:nvCxnSpPr>
+            <p:spPr>
+              <a:xfrm flipV="1">
+                <a:off x="5967531" y="1813686"/>
+                <a:ext cx="0" cy="3210006"/>
+              </a:xfrm>
+              <a:prstGeom prst="straightConnector1">
+                <a:avLst/>
+              </a:prstGeom>
+              <a:ln w="12700">
+                <a:solidFill>
+                  <a:schemeClr val="tx1"/>
+                </a:solidFill>
+                <a:tailEnd type="triangle"/>
+              </a:ln>
+            </p:spPr>
+            <p:style>
+              <a:lnRef idx="1">
+                <a:schemeClr val="accent1"/>
+              </a:lnRef>
+              <a:fillRef idx="0">
+                <a:schemeClr val="accent1"/>
+              </a:fillRef>
+              <a:effectRef idx="0">
+                <a:schemeClr val="accent1"/>
+              </a:effectRef>
+              <a:fontRef idx="minor">
+                <a:schemeClr val="tx1"/>
+              </a:fontRef>
+            </p:style>
+          </p:cxnSp>
+        </p:grpSp>
+        <p:sp>
+          <p:nvSpPr>
+            <p:cNvPr id="47" name="TextBox 46"/>
+            <p:cNvSpPr txBox="1"/>
+            <p:nvPr/>
+          </p:nvSpPr>
+          <p:spPr>
+            <a:xfrm>
+              <a:off x="1563687" y="3482130"/>
+              <a:ext cx="997528" cy="369332"/>
+            </a:xfrm>
+            <a:prstGeom prst="rect">
+              <a:avLst/>
+            </a:prstGeom>
+            <a:noFill/>
+          </p:spPr>
+          <p:txBody>
+            <a:bodyPr wrap="square" rtlCol="0">
+              <a:spAutoFit/>
+            </a:bodyPr>
+            <a:lstStyle/>
+            <a:p>
+              <a:r>
+                <a:rPr lang="en-US" dirty="0"/>
+                <a:t>Source</a:t>
+              </a:r>
+            </a:p>
+          </p:txBody>
+        </p:sp>
+        <p:sp>
+          <p:nvSpPr>
+            <p:cNvPr id="48" name="TextBox 47"/>
+            <p:cNvSpPr txBox="1"/>
+            <p:nvPr/>
+          </p:nvSpPr>
+          <p:spPr>
+            <a:xfrm>
+              <a:off x="9368194" y="4538934"/>
+              <a:ext cx="1171337" cy="369332"/>
+            </a:xfrm>
+            <a:prstGeom prst="rect">
+              <a:avLst/>
+            </a:prstGeom>
+            <a:noFill/>
+          </p:spPr>
+          <p:txBody>
+            <a:bodyPr wrap="square" rtlCol="0">
+              <a:spAutoFit/>
+            </a:bodyPr>
+            <a:lstStyle/>
+            <a:p>
+              <a:r>
+                <a:rPr lang="en-US" dirty="0"/>
+                <a:t>Detector</a:t>
+              </a:r>
+            </a:p>
+          </p:txBody>
+        </p:sp>
+        <p:cxnSp>
+          <p:nvCxnSpPr>
+            <p:cNvPr id="3" name="Straight Arrow Connector 2">
+              <a:extLst>
+                <a:ext uri="{FF2B5EF4-FFF2-40B4-BE49-F238E27FC236}">
+                  <a16:creationId xmlns:a16="http://schemas.microsoft.com/office/drawing/2014/main" id="{30DAB5BB-6FF6-7880-D8A6-010BF17BB69F}"/>
+                </a:ext>
+              </a:extLst>
+            </p:cNvPr>
+            <p:cNvCxnSpPr>
+              <a:cxnSpLocks/>
+            </p:cNvCxnSpPr>
+            <p:nvPr/>
+          </p:nvCxnSpPr>
+          <p:spPr>
+            <a:xfrm>
+              <a:off x="2121007" y="3348561"/>
+              <a:ext cx="7598586" cy="59166"/>
+            </a:xfrm>
+            <a:prstGeom prst="straightConnector1">
+              <a:avLst/>
+            </a:prstGeom>
+            <a:ln w="12700">
+              <a:solidFill>
+                <a:schemeClr val="tx1"/>
+              </a:solidFill>
+              <a:tailEnd type="triangle"/>
+            </a:ln>
+          </p:spPr>
+          <p:style>
+            <a:lnRef idx="1">
+              <a:schemeClr val="accent1"/>
+            </a:lnRef>
+            <a:fillRef idx="0">
+              <a:schemeClr val="accent1"/>
+            </a:fillRef>
+            <a:effectRef idx="0">
+              <a:schemeClr val="accent1"/>
+            </a:effectRef>
+            <a:fontRef idx="minor">
+              <a:schemeClr val="tx1"/>
+            </a:fontRef>
+          </p:style>
+        </p:cxnSp>
+        <p:sp>
+          <p:nvSpPr>
+            <p:cNvPr id="6" name="Arc 5">
+              <a:extLst>
+                <a:ext uri="{FF2B5EF4-FFF2-40B4-BE49-F238E27FC236}">
+                  <a16:creationId xmlns:a16="http://schemas.microsoft.com/office/drawing/2014/main" id="{0A9F28B9-636C-3F5C-3B07-12869C38BC8C}"/>
+                </a:ext>
+              </a:extLst>
+            </p:cNvPr>
+            <p:cNvSpPr/>
+            <p:nvPr/>
+          </p:nvSpPr>
+          <p:spPr>
+            <a:xfrm rot="5400000" flipH="1" flipV="1">
+              <a:off x="5520596" y="2725917"/>
+              <a:ext cx="971486" cy="1223292"/>
+            </a:xfrm>
+            <a:prstGeom prst="arc">
+              <a:avLst>
+                <a:gd name="adj1" fmla="val 16200000"/>
+                <a:gd name="adj2" fmla="val 19413433"/>
+              </a:avLst>
+            </a:prstGeom>
+            <a:noFill/>
+            <a:ln w="19050">
+              <a:solidFill>
+                <a:srgbClr val="FF0000"/>
+              </a:solidFill>
+              <a:prstDash val="solid"/>
+              <a:headEnd type="arrow"/>
+              <a:tailEnd type="arrow"/>
+            </a:ln>
+          </p:spPr>
+          <p:style>
+            <a:lnRef idx="1">
+              <a:schemeClr val="accent1"/>
+            </a:lnRef>
+            <a:fillRef idx="0">
+              <a:schemeClr val="accent1"/>
+            </a:fillRef>
+            <a:effectRef idx="0">
+              <a:schemeClr val="accent1"/>
+            </a:effectRef>
+            <a:fontRef idx="minor">
+              <a:schemeClr val="tx1"/>
+            </a:fontRef>
+          </p:style>
+          <p:txBody>
+            <a:bodyPr rtlCol="0" anchor="ctr"/>
+            <a:lstStyle/>
+            <a:p>
+              <a:pPr algn="ctr"/>
+              <a:endParaRPr lang="en-US"/>
+            </a:p>
+          </p:txBody>
+        </p:sp>
+        <mc:AlternateContent xmlns:mc="http://schemas.openxmlformats.org/markup-compatibility/2006" xmlns:a14="http://schemas.microsoft.com/office/drawing/2010/main">
+          <mc:Choice Requires="a14">
+            <p:sp>
+              <p:nvSpPr>
+                <p:cNvPr id="8" name="TextBox 7">
+                  <a:extLst>
+                    <a:ext uri="{FF2B5EF4-FFF2-40B4-BE49-F238E27FC236}">
+                      <a16:creationId xmlns:a16="http://schemas.microsoft.com/office/drawing/2014/main" id="{39C80663-1443-545B-DF9C-F4D3B7995848}"/>
+                    </a:ext>
+                  </a:extLst>
+                </p:cNvPr>
+                <p:cNvSpPr txBox="1"/>
+                <p:nvPr/>
+              </p:nvSpPr>
+              <p:spPr>
+                <a:xfrm>
+                  <a:off x="5199403" y="2874766"/>
+                  <a:ext cx="374141" cy="369332"/>
+                </a:xfrm>
+                <a:prstGeom prst="rect">
+                  <a:avLst/>
+                </a:prstGeom>
+                <a:noFill/>
+              </p:spPr>
+              <p:txBody>
+                <a:bodyPr wrap="none" rtlCol="0">
+                  <a:spAutoFit/>
+                </a:bodyPr>
+                <a:lstStyle/>
+                <a:p>
+                  <a:pPr/>
+                  <a14:m>
+                    <m:oMathPara xmlns:m="http://schemas.openxmlformats.org/officeDocument/2006/math">
+                      <m:oMathParaPr>
+                        <m:jc m:val="centerGroup"/>
+                      </m:oMathParaPr>
+                      <m:oMath xmlns:m="http://schemas.openxmlformats.org/officeDocument/2006/math">
+                        <m:r>
+                          <a:rPr lang="en-US" b="0" i="1" smtClean="0">
+                            <a:latin typeface="Cambria Math" panose="02040503050406030204" pitchFamily="18" charset="0"/>
+                          </a:rPr>
+                          <m:t>𝜃</m:t>
+                        </m:r>
+                      </m:oMath>
+                    </m:oMathPara>
+                  </a14:m>
+                  <a:endParaRPr lang="en-US" dirty="0"/>
+                </a:p>
+              </p:txBody>
+            </p:sp>
+          </mc:Choice>
+          <mc:Fallback xmlns="">
+            <p:sp>
+              <p:nvSpPr>
+                <p:cNvPr id="8" name="TextBox 7">
+                  <a:extLst>
+                    <a:ext uri="{FF2B5EF4-FFF2-40B4-BE49-F238E27FC236}">
+                      <a16:creationId xmlns:a16="http://schemas.microsoft.com/office/drawing/2014/main" id="{39C80663-1443-545B-DF9C-F4D3B7995848}"/>
+                    </a:ext>
+                  </a:extLst>
+                </p:cNvPr>
+                <p:cNvSpPr txBox="1">
+                  <a:spLocks noRot="1" noChangeAspect="1" noMove="1" noResize="1" noEditPoints="1" noAdjustHandles="1" noChangeArrowheads="1" noChangeShapeType="1" noTextEdit="1"/>
+                </p:cNvSpPr>
+                <p:nvPr/>
+              </p:nvSpPr>
+              <p:spPr>
+                <a:xfrm>
+                  <a:off x="5199403" y="2874766"/>
+                  <a:ext cx="374141" cy="369332"/>
+                </a:xfrm>
+                <a:prstGeom prst="rect">
+                  <a:avLst/>
+                </a:prstGeom>
+                <a:blipFill>
+                  <a:blip r:embed="rId2"/>
+                  <a:stretch>
+                    <a:fillRect/>
+                  </a:stretch>
+                </a:blipFill>
+              </p:spPr>
+              <p:txBody>
+                <a:bodyPr/>
+                <a:lstStyle/>
+                <a:p>
+                  <a:r>
+                    <a:rPr lang="en-US">
+                      <a:noFill/>
+                    </a:rPr>
+                    <a:t> </a:t>
+                  </a:r>
+                </a:p>
+              </p:txBody>
+            </p:sp>
+          </mc:Fallback>
+        </mc:AlternateContent>
+        <p:sp>
+          <p:nvSpPr>
+            <p:cNvPr id="9" name="TextBox 8">
+              <a:extLst>
+                <a:ext uri="{FF2B5EF4-FFF2-40B4-BE49-F238E27FC236}">
+                  <a16:creationId xmlns:a16="http://schemas.microsoft.com/office/drawing/2014/main" id="{5D9095C5-3AF8-EE45-5823-891DCBEF74F7}"/>
+                </a:ext>
+              </a:extLst>
+            </p:cNvPr>
+            <p:cNvSpPr txBox="1"/>
+            <p:nvPr/>
+          </p:nvSpPr>
+          <p:spPr>
+            <a:xfrm>
+              <a:off x="5299334" y="1510058"/>
+              <a:ext cx="822723" cy="646331"/>
+            </a:xfrm>
+            <a:prstGeom prst="rect">
+              <a:avLst/>
+            </a:prstGeom>
+            <a:noFill/>
+          </p:spPr>
+          <p:txBody>
+            <a:bodyPr wrap="square" rtlCol="0">
+              <a:spAutoFit/>
+            </a:bodyPr>
+            <a:lstStyle/>
+            <a:p>
+              <a:pPr algn="ctr"/>
+              <a:r>
+                <a:rPr lang="en-US" dirty="0"/>
+                <a:t>view angles</a:t>
+              </a:r>
+            </a:p>
+          </p:txBody>
+        </p:sp>
+        <p:cxnSp>
+          <p:nvCxnSpPr>
+            <p:cNvPr id="22" name="Straight Connector 21">
+              <a:extLst>
+                <a:ext uri="{FF2B5EF4-FFF2-40B4-BE49-F238E27FC236}">
+                  <a16:creationId xmlns:a16="http://schemas.microsoft.com/office/drawing/2014/main" id="{DEC2FC17-D0BB-A486-8CAF-4BC7210A1380}"/>
+                </a:ext>
+              </a:extLst>
+            </p:cNvPr>
+            <p:cNvCxnSpPr>
+              <a:cxnSpLocks/>
+            </p:cNvCxnSpPr>
+            <p:nvPr/>
+          </p:nvCxnSpPr>
+          <p:spPr>
+            <a:xfrm flipH="1">
+              <a:off x="2225407" y="4222413"/>
+              <a:ext cx="7159227" cy="0"/>
+            </a:xfrm>
+            <a:prstGeom prst="line">
+              <a:avLst/>
+            </a:prstGeom>
+            <a:ln w="12700">
+              <a:solidFill>
+                <a:schemeClr val="tx1">
+                  <a:alpha val="39000"/>
+                </a:schemeClr>
+              </a:solidFill>
+              <a:prstDash val="sysDot"/>
+              <a:tailEnd type="none"/>
+            </a:ln>
+          </p:spPr>
+          <p:style>
+            <a:lnRef idx="1">
+              <a:schemeClr val="accent1"/>
+            </a:lnRef>
+            <a:fillRef idx="0">
+              <a:schemeClr val="accent1"/>
+            </a:fillRef>
+            <a:effectRef idx="0">
+              <a:schemeClr val="accent1"/>
+            </a:effectRef>
+            <a:fontRef idx="minor">
+              <a:schemeClr val="tx1"/>
+            </a:fontRef>
+          </p:style>
+        </p:cxnSp>
+        <p:cxnSp>
+          <p:nvCxnSpPr>
+            <p:cNvPr id="23" name="Straight Connector 22">
+              <a:extLst>
+                <a:ext uri="{FF2B5EF4-FFF2-40B4-BE49-F238E27FC236}">
+                  <a16:creationId xmlns:a16="http://schemas.microsoft.com/office/drawing/2014/main" id="{BF1F8E9F-8E1F-857E-AC8C-3F9960770793}"/>
+                </a:ext>
+              </a:extLst>
+            </p:cNvPr>
+            <p:cNvCxnSpPr>
+              <a:cxnSpLocks/>
+            </p:cNvCxnSpPr>
+            <p:nvPr/>
+          </p:nvCxnSpPr>
+          <p:spPr>
+            <a:xfrm flipH="1">
+              <a:off x="2225407" y="4558657"/>
+              <a:ext cx="8236282" cy="0"/>
+            </a:xfrm>
+            <a:prstGeom prst="line">
+              <a:avLst/>
+            </a:prstGeom>
+            <a:ln w="12700">
+              <a:solidFill>
+                <a:schemeClr val="tx1">
+                  <a:alpha val="39000"/>
+                </a:schemeClr>
+              </a:solidFill>
+              <a:prstDash val="sysDot"/>
+              <a:tailEnd type="none"/>
+            </a:ln>
+          </p:spPr>
+          <p:style>
+            <a:lnRef idx="1">
+              <a:schemeClr val="accent1"/>
+            </a:lnRef>
+            <a:fillRef idx="0">
+              <a:schemeClr val="accent1"/>
+            </a:fillRef>
+            <a:effectRef idx="0">
+              <a:schemeClr val="accent1"/>
+            </a:effectRef>
+            <a:fontRef idx="minor">
+              <a:schemeClr val="tx1"/>
+            </a:fontRef>
+          </p:style>
+        </p:cxnSp>
+        <p:cxnSp>
+          <p:nvCxnSpPr>
+            <p:cNvPr id="24" name="Straight Connector 23">
+              <a:extLst>
+                <a:ext uri="{FF2B5EF4-FFF2-40B4-BE49-F238E27FC236}">
+                  <a16:creationId xmlns:a16="http://schemas.microsoft.com/office/drawing/2014/main" id="{21C7BBC6-0841-B427-26D9-295770CE4084}"/>
+                </a:ext>
+              </a:extLst>
+            </p:cNvPr>
+            <p:cNvCxnSpPr>
+              <a:cxnSpLocks/>
+            </p:cNvCxnSpPr>
+            <p:nvPr/>
+          </p:nvCxnSpPr>
+          <p:spPr>
+            <a:xfrm flipH="1">
+              <a:off x="2225407" y="2771974"/>
+              <a:ext cx="7159227" cy="0"/>
+            </a:xfrm>
+            <a:prstGeom prst="line">
+              <a:avLst/>
+            </a:prstGeom>
+            <a:ln w="12700">
+              <a:solidFill>
+                <a:schemeClr val="tx1">
+                  <a:alpha val="39000"/>
+                </a:schemeClr>
+              </a:solidFill>
+              <a:prstDash val="sysDot"/>
+              <a:tailEnd type="none"/>
+            </a:ln>
+          </p:spPr>
+          <p:style>
+            <a:lnRef idx="1">
+              <a:schemeClr val="accent1"/>
+            </a:lnRef>
+            <a:fillRef idx="0">
+              <a:schemeClr val="accent1"/>
+            </a:fillRef>
+            <a:effectRef idx="0">
+              <a:schemeClr val="accent1"/>
+            </a:effectRef>
+            <a:fontRef idx="minor">
+              <a:schemeClr val="tx1"/>
+            </a:fontRef>
+          </p:style>
+        </p:cxnSp>
+      </p:grpSp>
+    </p:spTree>
+    <p:extLst>
+      <p:ext uri="{BB962C8B-B14F-4D97-AF65-F5344CB8AC3E}">
+        <p14:creationId xmlns:p14="http://schemas.microsoft.com/office/powerpoint/2010/main" val="984405101"/>
+      </p:ext>
+    </p:extLst>
+  </p:cSld>
+  <p:clrMapOvr>
+    <a:masterClrMapping/>
+  </p:clrMapOvr>
+</p:sld>
+</file>
+
 <file path=ppt/theme/theme1.xml><?xml version="1.0" encoding="utf-8"?>
 <a:theme xmlns:a="http://schemas.openxmlformats.org/drawingml/2006/main" name="Office Theme">
   <a:themeElements>
